--- a/escuelas/ceduk/eneabr2018/infges2/cv_trudeau.pptx
+++ b/escuelas/ceduk/eneabr2018/infges2/cv_trudeau.pptx
@@ -6,6 +6,7 @@
   </p:sldMasterIdLst>
   <p:sldIdLst>
     <p:sldId id="256" r:id="rId2"/>
+    <p:sldId id="257" r:id="rId3"/>
   </p:sldIdLst>
   <p:sldSz cx="6858000" cy="9906000" type="A4"/>
   <p:notesSz cx="6858000" cy="9144000"/>
@@ -104,6 +105,11 @@
       </a:defRPr>
     </a:lvl9pPr>
   </p:defaultTextStyle>
+  <p:extLst>
+    <p:ext uri="{EFAFB233-063F-42B5-8137-9DF3F51BA10A}">
+      <p15:sldGuideLst xmlns:p15="http://schemas.microsoft.com/office/powerpoint/2012/main"/>
+    </p:ext>
+  </p:extLst>
 </p:presentation>
 </file>
 
@@ -238,7 +244,7 @@
           <a:p>
             <a:fld id="{292B11C4-C3B5-4374-B93E-1AAEAB55333E}" type="datetimeFigureOut">
               <a:rPr lang="es-MX" smtClean="0"/>
-              <a:t>20/01/2018</a:t>
+              <a:t>27/01/2018</a:t>
             </a:fld>
             <a:endParaRPr lang="es-MX"/>
           </a:p>
@@ -408,7 +414,7 @@
           <a:p>
             <a:fld id="{292B11C4-C3B5-4374-B93E-1AAEAB55333E}" type="datetimeFigureOut">
               <a:rPr lang="es-MX" smtClean="0"/>
-              <a:t>20/01/2018</a:t>
+              <a:t>27/01/2018</a:t>
             </a:fld>
             <a:endParaRPr lang="es-MX"/>
           </a:p>
@@ -588,7 +594,7 @@
           <a:p>
             <a:fld id="{292B11C4-C3B5-4374-B93E-1AAEAB55333E}" type="datetimeFigureOut">
               <a:rPr lang="es-MX" smtClean="0"/>
-              <a:t>20/01/2018</a:t>
+              <a:t>27/01/2018</a:t>
             </a:fld>
             <a:endParaRPr lang="es-MX"/>
           </a:p>
@@ -758,7 +764,7 @@
           <a:p>
             <a:fld id="{292B11C4-C3B5-4374-B93E-1AAEAB55333E}" type="datetimeFigureOut">
               <a:rPr lang="es-MX" smtClean="0"/>
-              <a:t>20/01/2018</a:t>
+              <a:t>27/01/2018</a:t>
             </a:fld>
             <a:endParaRPr lang="es-MX"/>
           </a:p>
@@ -1002,7 +1008,7 @@
           <a:p>
             <a:fld id="{292B11C4-C3B5-4374-B93E-1AAEAB55333E}" type="datetimeFigureOut">
               <a:rPr lang="es-MX" smtClean="0"/>
-              <a:t>20/01/2018</a:t>
+              <a:t>27/01/2018</a:t>
             </a:fld>
             <a:endParaRPr lang="es-MX"/>
           </a:p>
@@ -1234,7 +1240,7 @@
           <a:p>
             <a:fld id="{292B11C4-C3B5-4374-B93E-1AAEAB55333E}" type="datetimeFigureOut">
               <a:rPr lang="es-MX" smtClean="0"/>
-              <a:t>20/01/2018</a:t>
+              <a:t>27/01/2018</a:t>
             </a:fld>
             <a:endParaRPr lang="es-MX"/>
           </a:p>
@@ -1601,7 +1607,7 @@
           <a:p>
             <a:fld id="{292B11C4-C3B5-4374-B93E-1AAEAB55333E}" type="datetimeFigureOut">
               <a:rPr lang="es-MX" smtClean="0"/>
-              <a:t>20/01/2018</a:t>
+              <a:t>27/01/2018</a:t>
             </a:fld>
             <a:endParaRPr lang="es-MX"/>
           </a:p>
@@ -1719,7 +1725,7 @@
           <a:p>
             <a:fld id="{292B11C4-C3B5-4374-B93E-1AAEAB55333E}" type="datetimeFigureOut">
               <a:rPr lang="es-MX" smtClean="0"/>
-              <a:t>20/01/2018</a:t>
+              <a:t>27/01/2018</a:t>
             </a:fld>
             <a:endParaRPr lang="es-MX"/>
           </a:p>
@@ -1814,7 +1820,7 @@
           <a:p>
             <a:fld id="{292B11C4-C3B5-4374-B93E-1AAEAB55333E}" type="datetimeFigureOut">
               <a:rPr lang="es-MX" smtClean="0"/>
-              <a:t>20/01/2018</a:t>
+              <a:t>27/01/2018</a:t>
             </a:fld>
             <a:endParaRPr lang="es-MX"/>
           </a:p>
@@ -2091,7 +2097,7 @@
           <a:p>
             <a:fld id="{292B11C4-C3B5-4374-B93E-1AAEAB55333E}" type="datetimeFigureOut">
               <a:rPr lang="es-MX" smtClean="0"/>
-              <a:t>20/01/2018</a:t>
+              <a:t>27/01/2018</a:t>
             </a:fld>
             <a:endParaRPr lang="es-MX"/>
           </a:p>
@@ -2348,7 +2354,7 @@
           <a:p>
             <a:fld id="{292B11C4-C3B5-4374-B93E-1AAEAB55333E}" type="datetimeFigureOut">
               <a:rPr lang="es-MX" smtClean="0"/>
-              <a:t>20/01/2018</a:t>
+              <a:t>27/01/2018</a:t>
             </a:fld>
             <a:endParaRPr lang="es-MX"/>
           </a:p>
@@ -2561,7 +2567,7 @@
           <a:p>
             <a:fld id="{292B11C4-C3B5-4374-B93E-1AAEAB55333E}" type="datetimeFigureOut">
               <a:rPr lang="es-MX" smtClean="0"/>
-              <a:t>20/01/2018</a:t>
+              <a:t>27/01/2018</a:t>
             </a:fld>
             <a:endParaRPr lang="es-MX"/>
           </a:p>
@@ -3069,9 +3075,7 @@
             <a:r>
               <a:rPr lang="es-MX" sz="3600" b="1" dirty="0" smtClean="0">
                 <a:solidFill>
-                  <a:schemeClr val="accent1">
-                    <a:lumMod val="50000"/>
-                  </a:schemeClr>
+                  <a:srgbClr val="1F4E79"/>
                 </a:solidFill>
                 <a:latin typeface="Tw Cen MT" panose="020B0602020104020603" pitchFamily="34" charset="0"/>
               </a:rPr>
@@ -3080,9 +3084,7 @@
             <a:r>
               <a:rPr lang="es-MX" sz="3600" b="1" dirty="0" err="1" smtClean="0">
                 <a:solidFill>
-                  <a:schemeClr val="accent1">
-                    <a:lumMod val="50000"/>
-                  </a:schemeClr>
+                  <a:srgbClr val="1F4E79"/>
                 </a:solidFill>
                 <a:latin typeface="Tw Cen MT" panose="020B0602020104020603" pitchFamily="34" charset="0"/>
               </a:rPr>
@@ -3090,9 +3092,7 @@
             </a:r>
             <a:endParaRPr lang="es-MX" sz="3600" b="1" dirty="0">
               <a:solidFill>
-                <a:schemeClr val="accent1">
-                  <a:lumMod val="50000"/>
-                </a:schemeClr>
+                <a:srgbClr val="1F4E79"/>
               </a:solidFill>
               <a:latin typeface="Tw Cen MT" panose="020B0602020104020603" pitchFamily="34" charset="0"/>
             </a:endParaRPr>
@@ -5618,10 +5618,595 @@
           </a:p>
         </p:txBody>
       </p:sp>
+      <p:sp>
+        <p:nvSpPr>
+          <p:cNvPr id="2" name="Rectángulo 1"/>
+          <p:cNvSpPr/>
+          <p:nvPr/>
+        </p:nvSpPr>
+        <p:spPr>
+          <a:xfrm>
+            <a:off x="3233056" y="330020"/>
+            <a:ext cx="3624944" cy="298630"/>
+          </a:xfrm>
+          <a:prstGeom prst="rect">
+            <a:avLst/>
+          </a:prstGeom>
+          <a:solidFill>
+            <a:srgbClr val="1F4E79"/>
+          </a:solidFill>
+          <a:ln>
+            <a:noFill/>
+          </a:ln>
+        </p:spPr>
+        <p:style>
+          <a:lnRef idx="2">
+            <a:schemeClr val="accent1">
+              <a:shade val="50000"/>
+            </a:schemeClr>
+          </a:lnRef>
+          <a:fillRef idx="1">
+            <a:schemeClr val="accent1"/>
+          </a:fillRef>
+          <a:effectRef idx="0">
+            <a:schemeClr val="accent1"/>
+          </a:effectRef>
+          <a:fontRef idx="minor">
+            <a:schemeClr val="lt1"/>
+          </a:fontRef>
+        </p:style>
+        <p:txBody>
+          <a:bodyPr rtlCol="0" anchor="ctr"/>
+          <a:lstStyle/>
+          <a:p>
+            <a:pPr algn="ctr"/>
+            <a:endParaRPr lang="es-MX">
+              <a:solidFill>
+                <a:srgbClr val="1F4E79"/>
+              </a:solidFill>
+            </a:endParaRPr>
+          </a:p>
+        </p:txBody>
+      </p:sp>
+      <p:sp>
+        <p:nvSpPr>
+          <p:cNvPr id="3" name="CuadroTexto 2"/>
+          <p:cNvSpPr txBox="1"/>
+          <p:nvPr/>
+        </p:nvSpPr>
+        <p:spPr>
+          <a:xfrm>
+            <a:off x="3714750" y="823383"/>
+            <a:ext cx="3143250" cy="523220"/>
+          </a:xfrm>
+          <a:prstGeom prst="rect">
+            <a:avLst/>
+          </a:prstGeom>
+          <a:noFill/>
+        </p:spPr>
+        <p:txBody>
+          <a:bodyPr wrap="square" rtlCol="0">
+            <a:spAutoFit/>
+          </a:bodyPr>
+          <a:lstStyle/>
+          <a:p>
+            <a:r>
+              <a:rPr lang="es-MX" sz="2800" b="1" dirty="0" smtClean="0">
+                <a:latin typeface="Tw Cen MT" panose="020B0602020104020603" pitchFamily="34" charset="0"/>
+              </a:rPr>
+              <a:t>Acerca de mí</a:t>
+            </a:r>
+            <a:endParaRPr lang="es-MX" sz="2800" b="1" dirty="0">
+              <a:latin typeface="Tw Cen MT" panose="020B0602020104020603" pitchFamily="34" charset="0"/>
+            </a:endParaRPr>
+          </a:p>
+        </p:txBody>
+      </p:sp>
+      <p:sp>
+        <p:nvSpPr>
+          <p:cNvPr id="8" name="Elipse 7"/>
+          <p:cNvSpPr/>
+          <p:nvPr/>
+        </p:nvSpPr>
+        <p:spPr>
+          <a:xfrm>
+            <a:off x="3397504" y="978043"/>
+            <a:ext cx="252000" cy="252000"/>
+          </a:xfrm>
+          <a:prstGeom prst="ellipse">
+            <a:avLst/>
+          </a:prstGeom>
+          <a:ln>
+            <a:noFill/>
+          </a:ln>
+        </p:spPr>
+        <p:style>
+          <a:lnRef idx="2">
+            <a:schemeClr val="accent1">
+              <a:shade val="50000"/>
+            </a:schemeClr>
+          </a:lnRef>
+          <a:fillRef idx="1">
+            <a:schemeClr val="accent1"/>
+          </a:fillRef>
+          <a:effectRef idx="0">
+            <a:schemeClr val="accent1"/>
+          </a:effectRef>
+          <a:fontRef idx="minor">
+            <a:schemeClr val="lt1"/>
+          </a:fontRef>
+        </p:style>
+        <p:txBody>
+          <a:bodyPr rtlCol="0" anchor="ctr"/>
+          <a:lstStyle/>
+          <a:p>
+            <a:pPr algn="ctr"/>
+            <a:endParaRPr lang="es-MX"/>
+          </a:p>
+        </p:txBody>
+      </p:sp>
+      <p:cxnSp>
+        <p:nvCxnSpPr>
+          <p:cNvPr id="71" name="Conector recto 70"/>
+          <p:cNvCxnSpPr/>
+          <p:nvPr/>
+        </p:nvCxnSpPr>
+        <p:spPr>
+          <a:xfrm>
+            <a:off x="3714750" y="1346603"/>
+            <a:ext cx="2686050" cy="0"/>
+          </a:xfrm>
+          <a:prstGeom prst="line">
+            <a:avLst/>
+          </a:prstGeom>
+          <a:ln w="28575"/>
+        </p:spPr>
+        <p:style>
+          <a:lnRef idx="1">
+            <a:schemeClr val="accent1"/>
+          </a:lnRef>
+          <a:fillRef idx="0">
+            <a:schemeClr val="accent1"/>
+          </a:fillRef>
+          <a:effectRef idx="0">
+            <a:schemeClr val="accent1"/>
+          </a:effectRef>
+          <a:fontRef idx="minor">
+            <a:schemeClr val="tx1"/>
+          </a:fontRef>
+        </p:style>
+      </p:cxnSp>
+      <p:sp>
+        <p:nvSpPr>
+          <p:cNvPr id="72" name="CuadroTexto 71"/>
+          <p:cNvSpPr txBox="1"/>
+          <p:nvPr/>
+        </p:nvSpPr>
+        <p:spPr>
+          <a:xfrm>
+            <a:off x="3421567" y="1478239"/>
+            <a:ext cx="3038942" cy="2246769"/>
+          </a:xfrm>
+          <a:prstGeom prst="rect">
+            <a:avLst/>
+          </a:prstGeom>
+          <a:noFill/>
+        </p:spPr>
+        <p:txBody>
+          <a:bodyPr wrap="square" rtlCol="0">
+            <a:spAutoFit/>
+          </a:bodyPr>
+          <a:lstStyle/>
+          <a:p>
+            <a:pPr algn="just"/>
+            <a:r>
+              <a:rPr lang="es-MX" sz="2000" dirty="0" smtClean="0">
+                <a:latin typeface="Tw Cen MT" panose="020B0602020104020603" pitchFamily="34" charset="0"/>
+              </a:rPr>
+              <a:t>Soy una persona honesta, trabajadora, simpática. Me gusta ayudar a los demás y hacer labor social. Estoy dispuesto a aportar ideas y hacer crecer a la organización.</a:t>
+            </a:r>
+            <a:endParaRPr lang="es-MX" sz="2000" dirty="0">
+              <a:latin typeface="Tw Cen MT" panose="020B0602020104020603" pitchFamily="34" charset="0"/>
+            </a:endParaRPr>
+          </a:p>
+        </p:txBody>
+      </p:sp>
+      <p:sp>
+        <p:nvSpPr>
+          <p:cNvPr id="77" name="CuadroTexto 76"/>
+          <p:cNvSpPr txBox="1"/>
+          <p:nvPr/>
+        </p:nvSpPr>
+        <p:spPr>
+          <a:xfrm>
+            <a:off x="3714750" y="3973204"/>
+            <a:ext cx="3143250" cy="523220"/>
+          </a:xfrm>
+          <a:prstGeom prst="rect">
+            <a:avLst/>
+          </a:prstGeom>
+          <a:noFill/>
+        </p:spPr>
+        <p:txBody>
+          <a:bodyPr wrap="square" rtlCol="0">
+            <a:spAutoFit/>
+          </a:bodyPr>
+          <a:lstStyle/>
+          <a:p>
+            <a:r>
+              <a:rPr lang="es-MX" sz="2800" b="1" dirty="0" smtClean="0">
+                <a:latin typeface="Tw Cen MT" panose="020B0602020104020603" pitchFamily="34" charset="0"/>
+              </a:rPr>
+              <a:t>Educación</a:t>
+            </a:r>
+            <a:endParaRPr lang="es-MX" sz="2800" b="1" dirty="0">
+              <a:latin typeface="Tw Cen MT" panose="020B0602020104020603" pitchFamily="34" charset="0"/>
+            </a:endParaRPr>
+          </a:p>
+        </p:txBody>
+      </p:sp>
+      <p:sp>
+        <p:nvSpPr>
+          <p:cNvPr id="78" name="Elipse 77"/>
+          <p:cNvSpPr/>
+          <p:nvPr/>
+        </p:nvSpPr>
+        <p:spPr>
+          <a:xfrm>
+            <a:off x="3397504" y="4127864"/>
+            <a:ext cx="252000" cy="252000"/>
+          </a:xfrm>
+          <a:prstGeom prst="ellipse">
+            <a:avLst/>
+          </a:prstGeom>
+          <a:ln>
+            <a:noFill/>
+          </a:ln>
+        </p:spPr>
+        <p:style>
+          <a:lnRef idx="2">
+            <a:schemeClr val="accent1">
+              <a:shade val="50000"/>
+            </a:schemeClr>
+          </a:lnRef>
+          <a:fillRef idx="1">
+            <a:schemeClr val="accent1"/>
+          </a:fillRef>
+          <a:effectRef idx="0">
+            <a:schemeClr val="accent1"/>
+          </a:effectRef>
+          <a:fontRef idx="minor">
+            <a:schemeClr val="lt1"/>
+          </a:fontRef>
+        </p:style>
+        <p:txBody>
+          <a:bodyPr rtlCol="0" anchor="ctr"/>
+          <a:lstStyle/>
+          <a:p>
+            <a:pPr algn="ctr"/>
+            <a:endParaRPr lang="es-MX"/>
+          </a:p>
+        </p:txBody>
+      </p:sp>
+      <p:cxnSp>
+        <p:nvCxnSpPr>
+          <p:cNvPr id="79" name="Conector recto 78"/>
+          <p:cNvCxnSpPr/>
+          <p:nvPr/>
+        </p:nvCxnSpPr>
+        <p:spPr>
+          <a:xfrm>
+            <a:off x="3714750" y="4496424"/>
+            <a:ext cx="2686050" cy="0"/>
+          </a:xfrm>
+          <a:prstGeom prst="line">
+            <a:avLst/>
+          </a:prstGeom>
+          <a:ln w="28575"/>
+        </p:spPr>
+        <p:style>
+          <a:lnRef idx="1">
+            <a:schemeClr val="accent1"/>
+          </a:lnRef>
+          <a:fillRef idx="0">
+            <a:schemeClr val="accent1"/>
+          </a:fillRef>
+          <a:effectRef idx="0">
+            <a:schemeClr val="accent1"/>
+          </a:effectRef>
+          <a:fontRef idx="minor">
+            <a:schemeClr val="tx1"/>
+          </a:fontRef>
+        </p:style>
+      </p:cxnSp>
+      <p:sp>
+        <p:nvSpPr>
+          <p:cNvPr id="81" name="CuadroTexto 80"/>
+          <p:cNvSpPr txBox="1"/>
+          <p:nvPr/>
+        </p:nvSpPr>
+        <p:spPr>
+          <a:xfrm>
+            <a:off x="3847868" y="4738974"/>
+            <a:ext cx="3281661" cy="400110"/>
+          </a:xfrm>
+          <a:prstGeom prst="rect">
+            <a:avLst/>
+          </a:prstGeom>
+          <a:noFill/>
+        </p:spPr>
+        <p:txBody>
+          <a:bodyPr wrap="square" rtlCol="0">
+            <a:spAutoFit/>
+          </a:bodyPr>
+          <a:lstStyle/>
+          <a:p>
+            <a:r>
+              <a:rPr lang="es-MX" sz="2000" b="1" dirty="0" smtClean="0">
+                <a:latin typeface="Tw Cen MT" panose="020B0602020104020603" pitchFamily="34" charset="0"/>
+              </a:rPr>
+              <a:t>Bachillerato General</a:t>
+            </a:r>
+            <a:endParaRPr lang="es-MX" sz="2000" b="1" dirty="0">
+              <a:latin typeface="Tw Cen MT" panose="020B0602020104020603" pitchFamily="34" charset="0"/>
+            </a:endParaRPr>
+          </a:p>
+        </p:txBody>
+      </p:sp>
+      <p:sp>
+        <p:nvSpPr>
+          <p:cNvPr id="82" name="CuadroTexto 81"/>
+          <p:cNvSpPr txBox="1"/>
+          <p:nvPr/>
+        </p:nvSpPr>
+        <p:spPr>
+          <a:xfrm>
+            <a:off x="3824744" y="5931885"/>
+            <a:ext cx="3281661" cy="400110"/>
+          </a:xfrm>
+          <a:prstGeom prst="rect">
+            <a:avLst/>
+          </a:prstGeom>
+          <a:noFill/>
+        </p:spPr>
+        <p:txBody>
+          <a:bodyPr wrap="square" rtlCol="0">
+            <a:spAutoFit/>
+          </a:bodyPr>
+          <a:lstStyle/>
+          <a:p>
+            <a:r>
+              <a:rPr lang="es-MX" sz="2000" b="1" dirty="0" smtClean="0">
+                <a:latin typeface="Tw Cen MT" panose="020B0602020104020603" pitchFamily="34" charset="0"/>
+              </a:rPr>
+              <a:t>Lic. en Ciencias Políticas</a:t>
+            </a:r>
+            <a:endParaRPr lang="es-MX" sz="2000" b="1" dirty="0">
+              <a:latin typeface="Tw Cen MT" panose="020B0602020104020603" pitchFamily="34" charset="0"/>
+            </a:endParaRPr>
+          </a:p>
+        </p:txBody>
+      </p:sp>
+      <p:cxnSp>
+        <p:nvCxnSpPr>
+          <p:cNvPr id="83" name="Conector recto 82"/>
+          <p:cNvCxnSpPr/>
+          <p:nvPr/>
+        </p:nvCxnSpPr>
+        <p:spPr>
+          <a:xfrm flipV="1">
+            <a:off x="3747597" y="5057195"/>
+            <a:ext cx="0" cy="968031"/>
+          </a:xfrm>
+          <a:prstGeom prst="line">
+            <a:avLst/>
+          </a:prstGeom>
+          <a:ln w="28575"/>
+        </p:spPr>
+        <p:style>
+          <a:lnRef idx="1">
+            <a:schemeClr val="accent1"/>
+          </a:lnRef>
+          <a:fillRef idx="0">
+            <a:schemeClr val="accent1"/>
+          </a:fillRef>
+          <a:effectRef idx="0">
+            <a:schemeClr val="accent1"/>
+          </a:effectRef>
+          <a:fontRef idx="minor">
+            <a:schemeClr val="tx1"/>
+          </a:fontRef>
+        </p:style>
+      </p:cxnSp>
+      <p:sp>
+        <p:nvSpPr>
+          <p:cNvPr id="86" name="Elipse 85"/>
+          <p:cNvSpPr/>
+          <p:nvPr/>
+        </p:nvSpPr>
+        <p:spPr>
+          <a:xfrm>
+            <a:off x="3693597" y="4885029"/>
+            <a:ext cx="108000" cy="108000"/>
+          </a:xfrm>
+          <a:prstGeom prst="ellipse">
+            <a:avLst/>
+          </a:prstGeom>
+          <a:ln>
+            <a:noFill/>
+          </a:ln>
+        </p:spPr>
+        <p:style>
+          <a:lnRef idx="2">
+            <a:schemeClr val="accent1">
+              <a:shade val="50000"/>
+            </a:schemeClr>
+          </a:lnRef>
+          <a:fillRef idx="1">
+            <a:schemeClr val="accent1"/>
+          </a:fillRef>
+          <a:effectRef idx="0">
+            <a:schemeClr val="accent1"/>
+          </a:effectRef>
+          <a:fontRef idx="minor">
+            <a:schemeClr val="lt1"/>
+          </a:fontRef>
+        </p:style>
+        <p:txBody>
+          <a:bodyPr rtlCol="0" anchor="ctr"/>
+          <a:lstStyle/>
+          <a:p>
+            <a:pPr algn="ctr"/>
+            <a:endParaRPr lang="es-MX"/>
+          </a:p>
+        </p:txBody>
+      </p:sp>
+      <p:cxnSp>
+        <p:nvCxnSpPr>
+          <p:cNvPr id="90" name="Conector recto 89"/>
+          <p:cNvCxnSpPr/>
+          <p:nvPr/>
+        </p:nvCxnSpPr>
+        <p:spPr>
+          <a:xfrm flipV="1">
+            <a:off x="3747597" y="6253732"/>
+            <a:ext cx="0" cy="968031"/>
+          </a:xfrm>
+          <a:prstGeom prst="line">
+            <a:avLst/>
+          </a:prstGeom>
+          <a:ln w="28575"/>
+        </p:spPr>
+        <p:style>
+          <a:lnRef idx="1">
+            <a:schemeClr val="accent1"/>
+          </a:lnRef>
+          <a:fillRef idx="0">
+            <a:schemeClr val="accent1"/>
+          </a:fillRef>
+          <a:effectRef idx="0">
+            <a:schemeClr val="accent1"/>
+          </a:effectRef>
+          <a:fontRef idx="minor">
+            <a:schemeClr val="tx1"/>
+          </a:fontRef>
+        </p:style>
+      </p:cxnSp>
+      <p:sp>
+        <p:nvSpPr>
+          <p:cNvPr id="91" name="Elipse 90"/>
+          <p:cNvSpPr/>
+          <p:nvPr/>
+        </p:nvSpPr>
+        <p:spPr>
+          <a:xfrm>
+            <a:off x="3693597" y="6081566"/>
+            <a:ext cx="108000" cy="108000"/>
+          </a:xfrm>
+          <a:prstGeom prst="ellipse">
+            <a:avLst/>
+          </a:prstGeom>
+          <a:ln>
+            <a:noFill/>
+          </a:ln>
+        </p:spPr>
+        <p:style>
+          <a:lnRef idx="2">
+            <a:schemeClr val="accent1">
+              <a:shade val="50000"/>
+            </a:schemeClr>
+          </a:lnRef>
+          <a:fillRef idx="1">
+            <a:schemeClr val="accent1"/>
+          </a:fillRef>
+          <a:effectRef idx="0">
+            <a:schemeClr val="accent1"/>
+          </a:effectRef>
+          <a:fontRef idx="minor">
+            <a:schemeClr val="lt1"/>
+          </a:fontRef>
+        </p:style>
+        <p:txBody>
+          <a:bodyPr rtlCol="0" anchor="ctr"/>
+          <a:lstStyle/>
+          <a:p>
+            <a:pPr algn="ctr"/>
+            <a:endParaRPr lang="es-MX"/>
+          </a:p>
+        </p:txBody>
+      </p:sp>
     </p:spTree>
     <p:extLst>
       <p:ext uri="{BB962C8B-B14F-4D97-AF65-F5344CB8AC3E}">
         <p14:creationId xmlns:p14="http://schemas.microsoft.com/office/powerpoint/2010/main" val="1849937068"/>
+      </p:ext>
+    </p:extLst>
+  </p:cSld>
+  <p:clrMapOvr>
+    <a:masterClrMapping/>
+  </p:clrMapOvr>
+</p:sld>
+</file>
+
+<file path=ppt/slides/slide2.xml><?xml version="1.0" encoding="utf-8"?>
+<p:sld xmlns:a="http://schemas.openxmlformats.org/drawingml/2006/main" xmlns:r="http://schemas.openxmlformats.org/officeDocument/2006/relationships" xmlns:p="http://schemas.openxmlformats.org/presentationml/2006/main">
+  <p:cSld>
+    <p:spTree>
+      <p:nvGrpSpPr>
+        <p:cNvPr id="1" name=""/>
+        <p:cNvGrpSpPr/>
+        <p:nvPr/>
+      </p:nvGrpSpPr>
+      <p:grpSpPr>
+        <a:xfrm>
+          <a:off x="0" y="0"/>
+          <a:ext cx="0" cy="0"/>
+          <a:chOff x="0" y="0"/>
+          <a:chExt cx="0" cy="0"/>
+        </a:xfrm>
+      </p:grpSpPr>
+      <p:sp>
+        <p:nvSpPr>
+          <p:cNvPr id="2" name="Título 1"/>
+          <p:cNvSpPr>
+            <a:spLocks noGrp="1"/>
+          </p:cNvSpPr>
+          <p:nvPr>
+            <p:ph type="title"/>
+          </p:nvPr>
+        </p:nvSpPr>
+        <p:spPr/>
+        <p:txBody>
+          <a:bodyPr/>
+          <a:lstStyle/>
+          <a:p>
+            <a:endParaRPr lang="es-MX"/>
+          </a:p>
+        </p:txBody>
+      </p:sp>
+      <p:sp>
+        <p:nvSpPr>
+          <p:cNvPr id="3" name="Marcador de contenido 2"/>
+          <p:cNvSpPr>
+            <a:spLocks noGrp="1"/>
+          </p:cNvSpPr>
+          <p:nvPr>
+            <p:ph idx="1"/>
+          </p:nvPr>
+        </p:nvSpPr>
+        <p:spPr/>
+        <p:txBody>
+          <a:bodyPr/>
+          <a:lstStyle/>
+          <a:p>
+            <a:endParaRPr lang="es-MX"/>
+          </a:p>
+        </p:txBody>
+      </p:sp>
+    </p:spTree>
+    <p:extLst>
+      <p:ext uri="{BB962C8B-B14F-4D97-AF65-F5344CB8AC3E}">
+        <p14:creationId xmlns:p14="http://schemas.microsoft.com/office/powerpoint/2010/main" val="2816735149"/>
       </p:ext>
     </p:extLst>
   </p:cSld>
